--- a/presentation.pr.pptx
+++ b/presentation.pr.pptx
@@ -113,7 +113,7 @@
   </p:defaultTextStyle>
   <p:extLst>
     <p:ext uri="{EFAFB233-063F-42B5-8137-9DF3F51BA10A}">
-      <p15:sldGuideLst xmlns:p15="http://schemas.microsoft.com/office/powerpoint/2012/main"/>
+      <p15:sldGuideLst xmlns:p15="http://schemas.microsoft.com/office/powerpoint/2012/main" xmlns=""/>
     </p:ext>
   </p:extLst>
 </p:presentation>
@@ -161,7 +161,7 @@
           <a:blip r:embed="rId2">
             <a:extLst>
               <a:ext uri="{28A0092B-C50C-407E-A947-70E740481C1C}">
-                <a14:useLocalDpi xmlns:a14="http://schemas.microsoft.com/office/drawing/2010/main" val="0"/>
+                <a14:useLocalDpi xmlns:a14="http://schemas.microsoft.com/office/drawing/2010/main" xmlns="" val="0"/>
               </a:ext>
             </a:extLst>
           </a:blip>
@@ -302,7 +302,8 @@
           <a:p>
             <a:fld id="{48A87A34-81AB-432B-8DAE-1953F412C126}" type="datetimeFigureOut">
               <a:rPr lang="en-US" dirty="0"/>
-              <a:t>11/30/2020</a:t>
+              <a:pPr/>
+              <a:t>12/2/2020</a:t>
             </a:fld>
             <a:endParaRPr lang="en-US" dirty="0"/>
           </a:p>
@@ -354,6 +355,7 @@
           <a:p>
             <a:fld id="{6D22F896-40B5-4ADD-8801-0D06FADFA095}" type="slidenum">
               <a:rPr lang="en-US" dirty="0"/>
+              <a:pPr/>
               <a:t>‹#›</a:t>
             </a:fld>
             <a:endParaRPr lang="en-US" dirty="0"/>
@@ -564,7 +566,8 @@
           <a:p>
             <a:fld id="{48A87A34-81AB-432B-8DAE-1953F412C126}" type="datetimeFigureOut">
               <a:rPr lang="en-US" dirty="0"/>
-              <a:t>11/30/2020</a:t>
+              <a:pPr/>
+              <a:t>12/2/2020</a:t>
             </a:fld>
             <a:endParaRPr lang="en-US" dirty="0"/>
           </a:p>
@@ -606,6 +609,7 @@
           <a:p>
             <a:fld id="{6D22F896-40B5-4ADD-8801-0D06FADFA095}" type="slidenum">
               <a:rPr lang="en-US" dirty="0"/>
+              <a:pPr/>
               <a:t>‹#›</a:t>
             </a:fld>
             <a:endParaRPr lang="en-US" dirty="0"/>
@@ -649,7 +653,7 @@
           <a:blip r:embed="rId2">
             <a:extLst>
               <a:ext uri="{28A0092B-C50C-407E-A947-70E740481C1C}">
-                <a14:useLocalDpi xmlns:a14="http://schemas.microsoft.com/office/drawing/2010/main" val="0"/>
+                <a14:useLocalDpi xmlns:a14="http://schemas.microsoft.com/office/drawing/2010/main" xmlns="" val="0"/>
               </a:ext>
             </a:extLst>
           </a:blip>
@@ -791,7 +795,7 @@
             <a:fld id="{48A87A34-81AB-432B-8DAE-1953F412C126}" type="datetimeFigureOut">
               <a:rPr lang="en-US" dirty="0"/>
               <a:pPr/>
-              <a:t>11/30/2020</a:t>
+              <a:t>12/2/2020</a:t>
             </a:fld>
             <a:endParaRPr lang="en-US" dirty="0"/>
           </a:p>
@@ -843,6 +847,7 @@
           <a:p>
             <a:fld id="{6D22F896-40B5-4ADD-8801-0D06FADFA095}" type="slidenum">
               <a:rPr lang="en-US" dirty="0"/>
+              <a:pPr/>
               <a:t>‹#›</a:t>
             </a:fld>
             <a:endParaRPr lang="en-US" dirty="0"/>
@@ -886,7 +891,7 @@
           <a:blip r:embed="rId2">
             <a:extLst>
               <a:ext uri="{28A0092B-C50C-407E-A947-70E740481C1C}">
-                <a14:useLocalDpi xmlns:a14="http://schemas.microsoft.com/office/drawing/2010/main" val="0"/>
+                <a14:useLocalDpi xmlns:a14="http://schemas.microsoft.com/office/drawing/2010/main" xmlns="" val="0"/>
               </a:ext>
             </a:extLst>
           </a:blip>
@@ -1097,7 +1102,7 @@
             <a:fld id="{48A87A34-81AB-432B-8DAE-1953F412C126}" type="datetimeFigureOut">
               <a:rPr lang="en-US" dirty="0"/>
               <a:pPr/>
-              <a:t>11/30/2020</a:t>
+              <a:t>12/2/2020</a:t>
             </a:fld>
             <a:endParaRPr lang="en-US" dirty="0"/>
           </a:p>
@@ -1149,6 +1154,7 @@
           <a:p>
             <a:fld id="{6D22F896-40B5-4ADD-8801-0D06FADFA095}" type="slidenum">
               <a:rPr lang="en-US" dirty="0"/>
+              <a:pPr/>
               <a:t>‹#›</a:t>
             </a:fld>
             <a:endParaRPr lang="en-US" dirty="0"/>
@@ -1424,7 +1430,7 @@
           <a:blip r:embed="rId2">
             <a:extLst>
               <a:ext uri="{28A0092B-C50C-407E-A947-70E740481C1C}">
-                <a14:useLocalDpi xmlns:a14="http://schemas.microsoft.com/office/drawing/2010/main" val="0"/>
+                <a14:useLocalDpi xmlns:a14="http://schemas.microsoft.com/office/drawing/2010/main" xmlns="" val="0"/>
               </a:ext>
             </a:extLst>
           </a:blip>
@@ -1566,7 +1572,7 @@
             <a:fld id="{48A87A34-81AB-432B-8DAE-1953F412C126}" type="datetimeFigureOut">
               <a:rPr lang="en-US" dirty="0"/>
               <a:pPr/>
-              <a:t>11/30/2020</a:t>
+              <a:t>12/2/2020</a:t>
             </a:fld>
             <a:endParaRPr lang="en-US" dirty="0"/>
           </a:p>
@@ -1618,6 +1624,7 @@
           <a:p>
             <a:fld id="{6D22F896-40B5-4ADD-8801-0D06FADFA095}" type="slidenum">
               <a:rPr lang="en-US" dirty="0"/>
+              <a:pPr/>
               <a:t>‹#›</a:t>
             </a:fld>
             <a:endParaRPr lang="en-US" dirty="0"/>
@@ -2108,7 +2115,8 @@
           <a:p>
             <a:fld id="{48A87A34-81AB-432B-8DAE-1953F412C126}" type="datetimeFigureOut">
               <a:rPr lang="en-US" dirty="0"/>
-              <a:t>11/30/2020</a:t>
+              <a:pPr/>
+              <a:t>12/2/2020</a:t>
             </a:fld>
             <a:endParaRPr lang="en-US" dirty="0"/>
           </a:p>
@@ -2150,6 +2158,7 @@
           <a:p>
             <a:fld id="{6D22F896-40B5-4ADD-8801-0D06FADFA095}" type="slidenum">
               <a:rPr lang="en-US" dirty="0"/>
+              <a:pPr/>
               <a:t>‹#›</a:t>
             </a:fld>
             <a:endParaRPr lang="en-US" dirty="0"/>
@@ -2877,7 +2886,8 @@
           <a:p>
             <a:fld id="{48A87A34-81AB-432B-8DAE-1953F412C126}" type="datetimeFigureOut">
               <a:rPr lang="en-US" dirty="0"/>
-              <a:t>11/30/2020</a:t>
+              <a:pPr/>
+              <a:t>12/2/2020</a:t>
             </a:fld>
             <a:endParaRPr lang="en-US" dirty="0"/>
           </a:p>
@@ -2919,6 +2929,7 @@
           <a:p>
             <a:fld id="{6D22F896-40B5-4ADD-8801-0D06FADFA095}" type="slidenum">
               <a:rPr lang="en-US" dirty="0"/>
+              <a:pPr/>
               <a:t>‹#›</a:t>
             </a:fld>
             <a:endParaRPr lang="en-US" dirty="0"/>
@@ -3047,7 +3058,8 @@
           <a:p>
             <a:fld id="{48A87A34-81AB-432B-8DAE-1953F412C126}" type="datetimeFigureOut">
               <a:rPr lang="en-US" dirty="0"/>
-              <a:t>11/30/2020</a:t>
+              <a:pPr/>
+              <a:t>12/2/2020</a:t>
             </a:fld>
             <a:endParaRPr lang="en-US" dirty="0"/>
           </a:p>
@@ -3089,6 +3101,7 @@
           <a:p>
             <a:fld id="{6D22F896-40B5-4ADD-8801-0D06FADFA095}" type="slidenum">
               <a:rPr lang="en-US" dirty="0"/>
+              <a:pPr/>
               <a:t>‹#›</a:t>
             </a:fld>
             <a:endParaRPr lang="en-US" dirty="0"/>
@@ -3132,7 +3145,7 @@
           <a:blip r:embed="rId2">
             <a:extLst>
               <a:ext uri="{28A0092B-C50C-407E-A947-70E740481C1C}">
-                <a14:useLocalDpi xmlns:a14="http://schemas.microsoft.com/office/drawing/2010/main" val="0"/>
+                <a14:useLocalDpi xmlns:a14="http://schemas.microsoft.com/office/drawing/2010/main" xmlns="" val="0"/>
               </a:ext>
             </a:extLst>
           </a:blip>
@@ -3266,7 +3279,7 @@
             <a:fld id="{48A87A34-81AB-432B-8DAE-1953F412C126}" type="datetimeFigureOut">
               <a:rPr lang="en-US" dirty="0"/>
               <a:pPr/>
-              <a:t>11/30/2020</a:t>
+              <a:t>12/2/2020</a:t>
             </a:fld>
             <a:endParaRPr lang="en-US" dirty="0"/>
           </a:p>
@@ -3318,6 +3331,7 @@
           <a:p>
             <a:fld id="{6D22F896-40B5-4ADD-8801-0D06FADFA095}" type="slidenum">
               <a:rPr lang="en-US" dirty="0"/>
+              <a:pPr/>
               <a:t>‹#›</a:t>
             </a:fld>
             <a:endParaRPr lang="en-US" dirty="0"/>
@@ -3441,7 +3455,8 @@
           <a:p>
             <a:fld id="{48A87A34-81AB-432B-8DAE-1953F412C126}" type="datetimeFigureOut">
               <a:rPr lang="en-US" dirty="0"/>
-              <a:t>11/30/2020</a:t>
+              <a:pPr/>
+              <a:t>12/2/2020</a:t>
             </a:fld>
             <a:endParaRPr lang="en-US" dirty="0"/>
           </a:p>
@@ -3483,6 +3498,7 @@
           <a:p>
             <a:fld id="{6D22F896-40B5-4ADD-8801-0D06FADFA095}" type="slidenum">
               <a:rPr lang="en-US" dirty="0"/>
+              <a:pPr/>
               <a:t>‹#›</a:t>
             </a:fld>
             <a:endParaRPr lang="en-US" dirty="0"/>
@@ -3526,7 +3542,7 @@
           <a:blip r:embed="rId2">
             <a:extLst>
               <a:ext uri="{28A0092B-C50C-407E-A947-70E740481C1C}">
-                <a14:useLocalDpi xmlns:a14="http://schemas.microsoft.com/office/drawing/2010/main" val="0"/>
+                <a14:useLocalDpi xmlns:a14="http://schemas.microsoft.com/office/drawing/2010/main" xmlns="" val="0"/>
               </a:ext>
             </a:extLst>
           </a:blip>
@@ -3726,7 +3742,7 @@
             <a:fld id="{48A87A34-81AB-432B-8DAE-1953F412C126}" type="datetimeFigureOut">
               <a:rPr lang="en-US" dirty="0"/>
               <a:pPr/>
-              <a:t>11/30/2020</a:t>
+              <a:t>12/2/2020</a:t>
             </a:fld>
             <a:endParaRPr lang="en-US" dirty="0"/>
           </a:p>
@@ -3778,6 +3794,7 @@
           <a:p>
             <a:fld id="{6D22F896-40B5-4ADD-8801-0D06FADFA095}" type="slidenum">
               <a:rPr lang="en-US" dirty="0"/>
+              <a:pPr/>
               <a:t>‹#›</a:t>
             </a:fld>
             <a:endParaRPr lang="en-US" dirty="0"/>
@@ -3963,7 +3980,8 @@
           <a:p>
             <a:fld id="{48A87A34-81AB-432B-8DAE-1953F412C126}" type="datetimeFigureOut">
               <a:rPr lang="en-US" dirty="0"/>
-              <a:t>11/30/2020</a:t>
+              <a:pPr/>
+              <a:t>12/2/2020</a:t>
             </a:fld>
             <a:endParaRPr lang="en-US" dirty="0"/>
           </a:p>
@@ -4005,6 +4023,7 @@
           <a:p>
             <a:fld id="{6D22F896-40B5-4ADD-8801-0D06FADFA095}" type="slidenum">
               <a:rPr lang="en-US" dirty="0"/>
+              <a:pPr/>
               <a:t>‹#›</a:t>
             </a:fld>
             <a:endParaRPr lang="en-US" dirty="0"/>
@@ -4337,7 +4356,8 @@
           <a:p>
             <a:fld id="{48A87A34-81AB-432B-8DAE-1953F412C126}" type="datetimeFigureOut">
               <a:rPr lang="en-US" dirty="0"/>
-              <a:t>11/30/2020</a:t>
+              <a:pPr/>
+              <a:t>12/2/2020</a:t>
             </a:fld>
             <a:endParaRPr lang="en-US" dirty="0"/>
           </a:p>
@@ -4379,6 +4399,7 @@
           <a:p>
             <a:fld id="{6D22F896-40B5-4ADD-8801-0D06FADFA095}" type="slidenum">
               <a:rPr lang="en-US" dirty="0"/>
+              <a:pPr/>
               <a:t>‹#›</a:t>
             </a:fld>
             <a:endParaRPr lang="en-US" dirty="0"/>
@@ -4450,7 +4471,8 @@
           <a:p>
             <a:fld id="{48A87A34-81AB-432B-8DAE-1953F412C126}" type="datetimeFigureOut">
               <a:rPr lang="en-US" dirty="0"/>
-              <a:t>11/30/2020</a:t>
+              <a:pPr/>
+              <a:t>12/2/2020</a:t>
             </a:fld>
             <a:endParaRPr lang="en-US" dirty="0"/>
           </a:p>
@@ -4492,6 +4514,7 @@
           <a:p>
             <a:fld id="{6D22F896-40B5-4ADD-8801-0D06FADFA095}" type="slidenum">
               <a:rPr lang="en-US" dirty="0"/>
+              <a:pPr/>
               <a:t>‹#›</a:t>
             </a:fld>
             <a:endParaRPr lang="en-US" dirty="0"/>
@@ -4540,7 +4563,8 @@
           <a:p>
             <a:fld id="{48A87A34-81AB-432B-8DAE-1953F412C126}" type="datetimeFigureOut">
               <a:rPr lang="en-US" dirty="0"/>
-              <a:t>11/30/2020</a:t>
+              <a:pPr/>
+              <a:t>12/2/2020</a:t>
             </a:fld>
             <a:endParaRPr lang="en-US" dirty="0"/>
           </a:p>
@@ -4582,6 +4606,7 @@
           <a:p>
             <a:fld id="{6D22F896-40B5-4ADD-8801-0D06FADFA095}" type="slidenum">
               <a:rPr lang="en-US" dirty="0"/>
+              <a:pPr/>
               <a:t>‹#›</a:t>
             </a:fld>
             <a:endParaRPr lang="en-US" dirty="0"/>
@@ -4784,7 +4809,8 @@
           <a:p>
             <a:fld id="{48A87A34-81AB-432B-8DAE-1953F412C126}" type="datetimeFigureOut">
               <a:rPr lang="en-US" dirty="0"/>
-              <a:t>11/30/2020</a:t>
+              <a:pPr/>
+              <a:t>12/2/2020</a:t>
             </a:fld>
             <a:endParaRPr lang="en-US" dirty="0"/>
           </a:p>
@@ -4826,6 +4852,7 @@
           <a:p>
             <a:fld id="{6D22F896-40B5-4ADD-8801-0D06FADFA095}" type="slidenum">
               <a:rPr lang="en-US" dirty="0"/>
+              <a:pPr/>
               <a:t>‹#›</a:t>
             </a:fld>
             <a:endParaRPr lang="en-US" dirty="0"/>
@@ -5036,7 +5063,8 @@
           <a:p>
             <a:fld id="{48A87A34-81AB-432B-8DAE-1953F412C126}" type="datetimeFigureOut">
               <a:rPr lang="en-US" dirty="0"/>
-              <a:t>11/30/2020</a:t>
+              <a:pPr/>
+              <a:t>12/2/2020</a:t>
             </a:fld>
             <a:endParaRPr lang="en-US" dirty="0"/>
           </a:p>
@@ -5078,6 +5106,7 @@
           <a:p>
             <a:fld id="{6D22F896-40B5-4ADD-8801-0D06FADFA095}" type="slidenum">
               <a:rPr lang="en-US" dirty="0"/>
+              <a:pPr/>
               <a:t>‹#›</a:t>
             </a:fld>
             <a:endParaRPr lang="en-US" dirty="0"/>
@@ -5126,7 +5155,7 @@
           <a:blip r:embed="rId19">
             <a:extLst>
               <a:ext uri="{28A0092B-C50C-407E-A947-70E740481C1C}">
-                <a14:useLocalDpi xmlns:a14="http://schemas.microsoft.com/office/drawing/2010/main" val="0"/>
+                <a14:useLocalDpi xmlns:a14="http://schemas.microsoft.com/office/drawing/2010/main" xmlns="" val="0"/>
               </a:ext>
             </a:extLst>
           </a:blip>
@@ -5275,7 +5304,7 @@
             <a:fld id="{48A87A34-81AB-432B-8DAE-1953F412C126}" type="datetimeFigureOut">
               <a:rPr lang="en-US" dirty="0"/>
               <a:pPr/>
-              <a:t>11/30/2020</a:t>
+              <a:t>12/2/2020</a:t>
             </a:fld>
             <a:endParaRPr lang="en-US" dirty="0"/>
           </a:p>
@@ -5707,7 +5736,7 @@
     </p:spTree>
     <p:extLst>
       <p:ext uri="{BB962C8B-B14F-4D97-AF65-F5344CB8AC3E}">
-        <p14:creationId xmlns:p14="http://schemas.microsoft.com/office/powerpoint/2010/main" val="3402371617"/>
+        <p14:creationId xmlns:p14="http://schemas.microsoft.com/office/powerpoint/2010/main" xmlns="" val="3402371617"/>
       </p:ext>
     </p:extLst>
   </p:cSld>
@@ -5739,7 +5768,7 @@
           <p:cNvPr id="2" name="Title 1">
             <a:extLst>
               <a:ext uri="{FF2B5EF4-FFF2-40B4-BE49-F238E27FC236}">
-                <a16:creationId xmlns:a16="http://schemas.microsoft.com/office/drawing/2014/main" id="{BD97F03B-9E5D-4F04-89E6-51D1EF5AB349}"/>
+                <a16:creationId xmlns:a16="http://schemas.microsoft.com/office/drawing/2014/main" xmlns="" id="{BD97F03B-9E5D-4F04-89E6-51D1EF5AB349}"/>
               </a:ext>
             </a:extLst>
           </p:cNvPr>
@@ -5767,7 +5796,7 @@
           <p:cNvPr id="3" name="Content Placeholder 2">
             <a:extLst>
               <a:ext uri="{FF2B5EF4-FFF2-40B4-BE49-F238E27FC236}">
-                <a16:creationId xmlns:a16="http://schemas.microsoft.com/office/drawing/2014/main" id="{48E3E1D5-C668-4477-816C-C60BA6184898}"/>
+                <a16:creationId xmlns:a16="http://schemas.microsoft.com/office/drawing/2014/main" xmlns="" id="{48E3E1D5-C668-4477-816C-C60BA6184898}"/>
               </a:ext>
             </a:extLst>
           </p:cNvPr>
@@ -5830,7 +5859,7 @@
     </p:spTree>
     <p:extLst>
       <p:ext uri="{BB962C8B-B14F-4D97-AF65-F5344CB8AC3E}">
-        <p14:creationId xmlns:p14="http://schemas.microsoft.com/office/powerpoint/2010/main" val="1694656062"/>
+        <p14:creationId xmlns:p14="http://schemas.microsoft.com/office/powerpoint/2010/main" xmlns="" val="1694656062"/>
       </p:ext>
     </p:extLst>
   </p:cSld>
@@ -5870,7 +5899,7 @@
           <p:cNvPr id="2" name="Title 1">
             <a:extLst>
               <a:ext uri="{FF2B5EF4-FFF2-40B4-BE49-F238E27FC236}">
-                <a16:creationId xmlns:a16="http://schemas.microsoft.com/office/drawing/2014/main" id="{513EC6B3-543F-4E19-9911-2BBD6906F0D4}"/>
+                <a16:creationId xmlns:a16="http://schemas.microsoft.com/office/drawing/2014/main" xmlns="" id="{513EC6B3-543F-4E19-9911-2BBD6906F0D4}"/>
               </a:ext>
             </a:extLst>
           </p:cNvPr>
@@ -5905,7 +5934,7 @@
           <p:cNvPr id="3" name="Content Placeholder 2">
             <a:extLst>
               <a:ext uri="{FF2B5EF4-FFF2-40B4-BE49-F238E27FC236}">
-                <a16:creationId xmlns:a16="http://schemas.microsoft.com/office/drawing/2014/main" id="{B15961B4-B324-41FA-B592-58467EBC0800}"/>
+                <a16:creationId xmlns:a16="http://schemas.microsoft.com/office/drawing/2014/main" xmlns="" id="{B15961B4-B324-41FA-B592-58467EBC0800}"/>
               </a:ext>
             </a:extLst>
           </p:cNvPr>
@@ -5943,10 +5972,10 @@
           <p:cNvPr id="9" name="Rectangle 8">
             <a:extLst>
               <a:ext uri="{FF2B5EF4-FFF2-40B4-BE49-F238E27FC236}">
-                <a16:creationId xmlns:a16="http://schemas.microsoft.com/office/drawing/2014/main" id="{E2E0C929-96C6-41B1-A001-566036DF047B}"/>
+                <a16:creationId xmlns:a16="http://schemas.microsoft.com/office/drawing/2014/main" xmlns="" id="{E2E0C929-96C6-41B1-A001-566036DF047B}"/>
               </a:ext>
               <a:ext uri="{C183D7F6-B498-43B3-948B-1728B52AA6E4}">
-                <adec:decorative xmlns:adec="http://schemas.microsoft.com/office/drawing/2017/decorative" val="1"/>
+                <adec:decorative xmlns:adec="http://schemas.microsoft.com/office/drawing/2017/decorative" xmlns="" val="1"/>
               </a:ext>
             </a:extLst>
           </p:cNvPr>
@@ -5956,7 +5985,7 @@
           <p:nvPr>
             <p:extLst>
               <p:ext uri="{386F3935-93C4-4BCD-93E2-E3B085C9AB24}">
-                <p16:designElem xmlns:p16="http://schemas.microsoft.com/office/powerpoint/2015/main" val="1"/>
+                <p16:designElem xmlns:p16="http://schemas.microsoft.com/office/powerpoint/2015/main" xmlns="" val="1"/>
               </p:ext>
             </p:extLst>
           </p:nvPr>
@@ -6003,7 +6032,7 @@
           <p:cNvPr id="4" name="Picture 4" descr="A person posing for the camera&#10;&#10;Description automatically generated">
             <a:extLst>
               <a:ext uri="{FF2B5EF4-FFF2-40B4-BE49-F238E27FC236}">
-                <a16:creationId xmlns:a16="http://schemas.microsoft.com/office/drawing/2014/main" id="{41F1F142-B9AE-4ECB-83B1-32B92F50A62B}"/>
+                <a16:creationId xmlns:a16="http://schemas.microsoft.com/office/drawing/2014/main" xmlns="" id="{41F1F142-B9AE-4ECB-83B1-32B92F50A62B}"/>
               </a:ext>
             </a:extLst>
           </p:cNvPr>
@@ -6030,7 +6059,7 @@
     </p:spTree>
     <p:extLst>
       <p:ext uri="{BB962C8B-B14F-4D97-AF65-F5344CB8AC3E}">
-        <p14:creationId xmlns:p14="http://schemas.microsoft.com/office/powerpoint/2010/main" val="1997898405"/>
+        <p14:creationId xmlns:p14="http://schemas.microsoft.com/office/powerpoint/2010/main" xmlns="" val="1997898405"/>
       </p:ext>
     </p:extLst>
   </p:cSld>
@@ -6070,7 +6099,7 @@
           <p:cNvPr id="2" name="Title 1">
             <a:extLst>
               <a:ext uri="{FF2B5EF4-FFF2-40B4-BE49-F238E27FC236}">
-                <a16:creationId xmlns:a16="http://schemas.microsoft.com/office/drawing/2014/main" id="{DEB0A132-F757-46BD-982C-C2B5F736BA62}"/>
+                <a16:creationId xmlns:a16="http://schemas.microsoft.com/office/drawing/2014/main" xmlns="" id="{DEB0A132-F757-46BD-982C-C2B5F736BA62}"/>
               </a:ext>
             </a:extLst>
           </p:cNvPr>
@@ -6105,7 +6134,7 @@
           <p:cNvPr id="3" name="Content Placeholder 2">
             <a:extLst>
               <a:ext uri="{FF2B5EF4-FFF2-40B4-BE49-F238E27FC236}">
-                <a16:creationId xmlns:a16="http://schemas.microsoft.com/office/drawing/2014/main" id="{2846241A-9B06-4D6F-B23C-44FF87F03ADE}"/>
+                <a16:creationId xmlns:a16="http://schemas.microsoft.com/office/drawing/2014/main" xmlns="" id="{2846241A-9B06-4D6F-B23C-44FF87F03ADE}"/>
               </a:ext>
             </a:extLst>
           </p:cNvPr>
@@ -6143,10 +6172,10 @@
           <p:cNvPr id="9" name="Rectangle 8">
             <a:extLst>
               <a:ext uri="{FF2B5EF4-FFF2-40B4-BE49-F238E27FC236}">
-                <a16:creationId xmlns:a16="http://schemas.microsoft.com/office/drawing/2014/main" id="{E2E0C929-96C6-41B1-A001-566036DF047B}"/>
+                <a16:creationId xmlns:a16="http://schemas.microsoft.com/office/drawing/2014/main" xmlns="" id="{E2E0C929-96C6-41B1-A001-566036DF047B}"/>
               </a:ext>
               <a:ext uri="{C183D7F6-B498-43B3-948B-1728B52AA6E4}">
-                <adec:decorative xmlns:adec="http://schemas.microsoft.com/office/drawing/2017/decorative" val="1"/>
+                <adec:decorative xmlns:adec="http://schemas.microsoft.com/office/drawing/2017/decorative" xmlns="" val="1"/>
               </a:ext>
             </a:extLst>
           </p:cNvPr>
@@ -6156,7 +6185,7 @@
           <p:nvPr>
             <p:extLst>
               <p:ext uri="{386F3935-93C4-4BCD-93E2-E3B085C9AB24}">
-                <p16:designElem xmlns:p16="http://schemas.microsoft.com/office/powerpoint/2015/main" val="1"/>
+                <p16:designElem xmlns:p16="http://schemas.microsoft.com/office/powerpoint/2015/main" xmlns="" val="1"/>
               </p:ext>
             </p:extLst>
           </p:nvPr>
@@ -6203,7 +6232,7 @@
           <p:cNvPr id="4" name="Picture 4" descr="A person in a blue shirt&#10;&#10;Description automatically generated">
             <a:extLst>
               <a:ext uri="{FF2B5EF4-FFF2-40B4-BE49-F238E27FC236}">
-                <a16:creationId xmlns:a16="http://schemas.microsoft.com/office/drawing/2014/main" id="{111BE946-AB1F-4A7E-832E-48355D8FEC16}"/>
+                <a16:creationId xmlns:a16="http://schemas.microsoft.com/office/drawing/2014/main" xmlns="" id="{111BE946-AB1F-4A7E-832E-48355D8FEC16}"/>
               </a:ext>
             </a:extLst>
           </p:cNvPr>
@@ -6230,7 +6259,7 @@
     </p:spTree>
     <p:extLst>
       <p:ext uri="{BB962C8B-B14F-4D97-AF65-F5344CB8AC3E}">
-        <p14:creationId xmlns:p14="http://schemas.microsoft.com/office/powerpoint/2010/main" val="137773933"/>
+        <p14:creationId xmlns:p14="http://schemas.microsoft.com/office/powerpoint/2010/main" xmlns="" val="137773933"/>
       </p:ext>
     </p:extLst>
   </p:cSld>
@@ -6270,7 +6299,7 @@
           <p:cNvPr id="2" name="Title 1">
             <a:extLst>
               <a:ext uri="{FF2B5EF4-FFF2-40B4-BE49-F238E27FC236}">
-                <a16:creationId xmlns:a16="http://schemas.microsoft.com/office/drawing/2014/main" id="{860498C9-ADF6-4A5C-8EDF-52A045EA0EDB}"/>
+                <a16:creationId xmlns:a16="http://schemas.microsoft.com/office/drawing/2014/main" xmlns="" id="{860498C9-ADF6-4A5C-8EDF-52A045EA0EDB}"/>
               </a:ext>
             </a:extLst>
           </p:cNvPr>
@@ -6305,7 +6334,7 @@
           <p:cNvPr id="3" name="Content Placeholder 2">
             <a:extLst>
               <a:ext uri="{FF2B5EF4-FFF2-40B4-BE49-F238E27FC236}">
-                <a16:creationId xmlns:a16="http://schemas.microsoft.com/office/drawing/2014/main" id="{A8906153-A17D-48BD-888C-59EDA793DAC7}"/>
+                <a16:creationId xmlns:a16="http://schemas.microsoft.com/office/drawing/2014/main" xmlns="" id="{A8906153-A17D-48BD-888C-59EDA793DAC7}"/>
               </a:ext>
             </a:extLst>
           </p:cNvPr>
@@ -6343,10 +6372,10 @@
           <p:cNvPr id="14" name="Rectangle 13">
             <a:extLst>
               <a:ext uri="{FF2B5EF4-FFF2-40B4-BE49-F238E27FC236}">
-                <a16:creationId xmlns:a16="http://schemas.microsoft.com/office/drawing/2014/main" id="{E2E0C929-96C6-41B1-A001-566036DF047B}"/>
+                <a16:creationId xmlns:a16="http://schemas.microsoft.com/office/drawing/2014/main" xmlns="" id="{E2E0C929-96C6-41B1-A001-566036DF047B}"/>
               </a:ext>
               <a:ext uri="{C183D7F6-B498-43B3-948B-1728B52AA6E4}">
-                <adec:decorative xmlns:adec="http://schemas.microsoft.com/office/drawing/2017/decorative" val="1"/>
+                <adec:decorative xmlns:adec="http://schemas.microsoft.com/office/drawing/2017/decorative" xmlns="" val="1"/>
               </a:ext>
             </a:extLst>
           </p:cNvPr>
@@ -6356,7 +6385,7 @@
           <p:nvPr>
             <p:extLst>
               <p:ext uri="{386F3935-93C4-4BCD-93E2-E3B085C9AB24}">
-                <p16:designElem xmlns:p16="http://schemas.microsoft.com/office/powerpoint/2015/main" val="1"/>
+                <p16:designElem xmlns:p16="http://schemas.microsoft.com/office/powerpoint/2015/main" xmlns="" val="1"/>
               </p:ext>
             </p:extLst>
           </p:nvPr>
@@ -6403,7 +6432,7 @@
           <p:cNvPr id="5" name="Picture 5">
             <a:extLst>
               <a:ext uri="{FF2B5EF4-FFF2-40B4-BE49-F238E27FC236}">
-                <a16:creationId xmlns:a16="http://schemas.microsoft.com/office/drawing/2014/main" id="{DD29AA4F-32B9-4528-8A9C-FA1E219D2BE4}"/>
+                <a16:creationId xmlns:a16="http://schemas.microsoft.com/office/drawing/2014/main" xmlns="" id="{DD29AA4F-32B9-4528-8A9C-FA1E219D2BE4}"/>
               </a:ext>
             </a:extLst>
           </p:cNvPr>
@@ -6430,7 +6459,7 @@
     </p:spTree>
     <p:extLst>
       <p:ext uri="{BB962C8B-B14F-4D97-AF65-F5344CB8AC3E}">
-        <p14:creationId xmlns:p14="http://schemas.microsoft.com/office/powerpoint/2010/main" val="712656300"/>
+        <p14:creationId xmlns:p14="http://schemas.microsoft.com/office/powerpoint/2010/main" xmlns="" val="712656300"/>
       </p:ext>
     </p:extLst>
   </p:cSld>
@@ -6470,7 +6499,7 @@
           <p:cNvPr id="2" name="Title 1">
             <a:extLst>
               <a:ext uri="{FF2B5EF4-FFF2-40B4-BE49-F238E27FC236}">
-                <a16:creationId xmlns:a16="http://schemas.microsoft.com/office/drawing/2014/main" id="{B6AC01FB-57FD-49B6-806A-A057F7B71324}"/>
+                <a16:creationId xmlns:a16="http://schemas.microsoft.com/office/drawing/2014/main" xmlns="" id="{B6AC01FB-57FD-49B6-806A-A057F7B71324}"/>
               </a:ext>
             </a:extLst>
           </p:cNvPr>
@@ -6505,7 +6534,7 @@
           <p:cNvPr id="3" name="Content Placeholder 2">
             <a:extLst>
               <a:ext uri="{FF2B5EF4-FFF2-40B4-BE49-F238E27FC236}">
-                <a16:creationId xmlns:a16="http://schemas.microsoft.com/office/drawing/2014/main" id="{CAF2191C-BF21-46B1-B3F8-07B5215782B2}"/>
+                <a16:creationId xmlns:a16="http://schemas.microsoft.com/office/drawing/2014/main" xmlns="" id="{CAF2191C-BF21-46B1-B3F8-07B5215782B2}"/>
               </a:ext>
             </a:extLst>
           </p:cNvPr>
@@ -6543,10 +6572,10 @@
           <p:cNvPr id="11" name="Rectangle 10">
             <a:extLst>
               <a:ext uri="{FF2B5EF4-FFF2-40B4-BE49-F238E27FC236}">
-                <a16:creationId xmlns:a16="http://schemas.microsoft.com/office/drawing/2014/main" id="{E2E0C929-96C6-41B1-A001-566036DF047B}"/>
+                <a16:creationId xmlns:a16="http://schemas.microsoft.com/office/drawing/2014/main" xmlns="" id="{E2E0C929-96C6-41B1-A001-566036DF047B}"/>
               </a:ext>
               <a:ext uri="{C183D7F6-B498-43B3-948B-1728B52AA6E4}">
-                <adec:decorative xmlns:adec="http://schemas.microsoft.com/office/drawing/2017/decorative" val="1"/>
+                <adec:decorative xmlns:adec="http://schemas.microsoft.com/office/drawing/2017/decorative" xmlns="" val="1"/>
               </a:ext>
             </a:extLst>
           </p:cNvPr>
@@ -6556,7 +6585,7 @@
           <p:nvPr>
             <p:extLst>
               <p:ext uri="{386F3935-93C4-4BCD-93E2-E3B085C9AB24}">
-                <p16:designElem xmlns:p16="http://schemas.microsoft.com/office/powerpoint/2015/main" val="1"/>
+                <p16:designElem xmlns:p16="http://schemas.microsoft.com/office/powerpoint/2015/main" xmlns="" val="1"/>
               </p:ext>
             </p:extLst>
           </p:nvPr>
@@ -6603,7 +6632,7 @@
           <p:cNvPr id="6" name="Picture 6" descr="A close up of a person&#10;&#10;Description automatically generated">
             <a:extLst>
               <a:ext uri="{FF2B5EF4-FFF2-40B4-BE49-F238E27FC236}">
-                <a16:creationId xmlns:a16="http://schemas.microsoft.com/office/drawing/2014/main" id="{EEF24F41-B025-43A3-864F-841F69E0A5C8}"/>
+                <a16:creationId xmlns:a16="http://schemas.microsoft.com/office/drawing/2014/main" xmlns="" id="{EEF24F41-B025-43A3-864F-841F69E0A5C8}"/>
               </a:ext>
             </a:extLst>
           </p:cNvPr>
@@ -6630,7 +6659,7 @@
     </p:spTree>
     <p:extLst>
       <p:ext uri="{BB962C8B-B14F-4D97-AF65-F5344CB8AC3E}">
-        <p14:creationId xmlns:p14="http://schemas.microsoft.com/office/powerpoint/2010/main" val="1401413098"/>
+        <p14:creationId xmlns:p14="http://schemas.microsoft.com/office/powerpoint/2010/main" xmlns="" val="1401413098"/>
       </p:ext>
     </p:extLst>
   </p:cSld>
@@ -6662,7 +6691,7 @@
           <p:cNvPr id="2" name="Title 1">
             <a:extLst>
               <a:ext uri="{FF2B5EF4-FFF2-40B4-BE49-F238E27FC236}">
-                <a16:creationId xmlns:a16="http://schemas.microsoft.com/office/drawing/2014/main" id="{526CCB3A-0E74-4919-BE2B-0272518BBCF2}"/>
+                <a16:creationId xmlns:a16="http://schemas.microsoft.com/office/drawing/2014/main" xmlns="" id="{526CCB3A-0E74-4919-BE2B-0272518BBCF2}"/>
               </a:ext>
             </a:extLst>
           </p:cNvPr>
@@ -6691,7 +6720,7 @@
           <p:cNvPr id="3" name="Content Placeholder 2">
             <a:extLst>
               <a:ext uri="{FF2B5EF4-FFF2-40B4-BE49-F238E27FC236}">
-                <a16:creationId xmlns:a16="http://schemas.microsoft.com/office/drawing/2014/main" id="{146C9DEC-D21B-41F4-883E-35C05F55F766}"/>
+                <a16:creationId xmlns:a16="http://schemas.microsoft.com/office/drawing/2014/main" xmlns="" id="{146C9DEC-D21B-41F4-883E-35C05F55F766}"/>
               </a:ext>
             </a:extLst>
           </p:cNvPr>
@@ -6722,7 +6751,7 @@
     </p:spTree>
     <p:extLst>
       <p:ext uri="{BB962C8B-B14F-4D97-AF65-F5344CB8AC3E}">
-        <p14:creationId xmlns:p14="http://schemas.microsoft.com/office/powerpoint/2010/main" val="3227287676"/>
+        <p14:creationId xmlns:p14="http://schemas.microsoft.com/office/powerpoint/2010/main" xmlns="" val="3227287676"/>
       </p:ext>
     </p:extLst>
   </p:cSld>
@@ -6754,7 +6783,7 @@
           <p:cNvPr id="3" name="Content Placeholder 2">
             <a:extLst>
               <a:ext uri="{FF2B5EF4-FFF2-40B4-BE49-F238E27FC236}">
-                <a16:creationId xmlns:a16="http://schemas.microsoft.com/office/drawing/2014/main" id="{C96D9EEF-167E-48AD-9270-D25644B57E1F}"/>
+                <a16:creationId xmlns:a16="http://schemas.microsoft.com/office/drawing/2014/main" xmlns="" id="{C96D9EEF-167E-48AD-9270-D25644B57E1F}"/>
               </a:ext>
             </a:extLst>
           </p:cNvPr>
@@ -6790,7 +6819,7 @@
     </p:spTree>
     <p:extLst>
       <p:ext uri="{BB962C8B-B14F-4D97-AF65-F5344CB8AC3E}">
-        <p14:creationId xmlns:p14="http://schemas.microsoft.com/office/powerpoint/2010/main" val="916660554"/>
+        <p14:creationId xmlns:p14="http://schemas.microsoft.com/office/powerpoint/2010/main" xmlns="" val="916660554"/>
       </p:ext>
     </p:extLst>
   </p:cSld>
@@ -6843,7 +6872,7 @@
     </a:clrScheme>
     <a:fontScheme name="Vapor Trail">
       <a:majorFont>
-        <a:latin typeface="Century Gothic" panose="020B0502020202020204"/>
+        <a:latin typeface="Century Gothic"/>
         <a:ea typeface=""/>
         <a:cs typeface=""/>
         <a:font script="Jpan" typeface="ＭＳ Ｐゴシック"/>
@@ -6878,7 +6907,7 @@
         <a:font script="Geor" typeface="Sylfaen"/>
       </a:majorFont>
       <a:minorFont>
-        <a:latin typeface="Century Gothic" panose="020B0502020202020204"/>
+        <a:latin typeface="Century Gothic"/>
         <a:ea typeface=""/>
         <a:cs typeface=""/>
         <a:font script="Jpan" typeface="ＭＳ Ｐゴシック"/>
@@ -7064,7 +7093,7 @@
   <a:extraClrSchemeLst/>
   <a:extLst>
     <a:ext uri="{05A4C25C-085E-4340-85A3-A5531E510DB2}">
-      <thm15:themeFamily xmlns:thm15="http://schemas.microsoft.com/office/thememl/2012/main" name="Vapor Trail" id="{4FDF2955-7D9C-493C-B9F9-C205151B46CD}" vid="{8F31A783-2159-4870-BC29-2BA7D038EA44}"/>
+      <thm15:themeFamily xmlns:thm15="http://schemas.microsoft.com/office/thememl/2012/main" xmlns="" name="Vapor Trail" id="{4FDF2955-7D9C-493C-B9F9-C205151B46CD}" vid="{8F31A783-2159-4870-BC29-2BA7D038EA44}"/>
     </a:ext>
   </a:extLst>
 </a:theme>
